--- a/PredictionFeature/smart_reservoir(demo).pptx
+++ b/PredictionFeature/smart_reservoir(demo).pptx
@@ -11,10 +11,17 @@
     <p:sldId id="266" r:id="rId6"/>
     <p:sldId id="261" r:id="rId7"/>
     <p:sldId id="262" r:id="rId8"/>
-    <p:sldId id="256" r:id="rId9"/>
-    <p:sldId id="257" r:id="rId10"/>
-    <p:sldId id="259" r:id="rId11"/>
-    <p:sldId id="263" r:id="rId12"/>
+    <p:sldId id="276" r:id="rId9"/>
+    <p:sldId id="277" r:id="rId10"/>
+    <p:sldId id="274" r:id="rId11"/>
+    <p:sldId id="256" r:id="rId12"/>
+    <p:sldId id="257" r:id="rId13"/>
+    <p:sldId id="259" r:id="rId14"/>
+    <p:sldId id="278" r:id="rId15"/>
+    <p:sldId id="279" r:id="rId16"/>
+    <p:sldId id="280" r:id="rId17"/>
+    <p:sldId id="275" r:id="rId18"/>
+    <p:sldId id="263" r:id="rId19"/>
   </p:sldIdLst>
   <p:sldSz cx="12192000" cy="6858000"/>
   <p:notesSz cx="7103745" cy="10234295"/>
@@ -2705,6 +2712,874 @@
             <a:spLocks noGrp="1"/>
           </p:cNvSpPr>
           <p:nvPr>
+            <p:ph type="ctrTitle"/>
+          </p:nvPr>
+        </p:nvSpPr>
+        <p:spPr/>
+        <p:txBody>
+          <a:bodyPr/>
+          <a:p>
+            <a:r>
+              <a:rPr lang="en-US" altLang="uk-UA" b="1"/>
+              <a:t>Prediction Feature</a:t>
+            </a:r>
+            <a:endParaRPr lang="en-US" altLang="uk-UA" b="1"/>
+          </a:p>
+        </p:txBody>
+      </p:sp>
+      <p:sp>
+        <p:nvSpPr>
+          <p:cNvPr id="3" name="Subtitle 2"/>
+          <p:cNvSpPr>
+            <a:spLocks noGrp="1"/>
+          </p:cNvSpPr>
+          <p:nvPr>
+            <p:ph type="subTitle" idx="1"/>
+          </p:nvPr>
+        </p:nvSpPr>
+        <p:spPr/>
+        <p:txBody>
+          <a:bodyPr/>
+          <a:p>
+            <a:r>
+              <a:rPr lang="en-US" sz="3600"/>
+              <a:t>With </a:t>
+            </a:r>
+            <a:r>
+              <a:rPr lang="en-US" altLang="uk-UA" sz="3600"/>
+              <a:t>Python3.6</a:t>
+            </a:r>
+            <a:endParaRPr lang="en-US" altLang="uk-UA" sz="3600"/>
+          </a:p>
+        </p:txBody>
+      </p:sp>
+    </p:spTree>
+  </p:cSld>
+  <p:clrMapOvr>
+    <a:masterClrMapping/>
+  </p:clrMapOvr>
+</p:sld>
+</file>
+
+<file path=ppt/slides/slide11.xml><?xml version="1.0" encoding="utf-8"?>
+<p:sld xmlns:a="http://schemas.openxmlformats.org/drawingml/2006/main" xmlns:r="http://schemas.openxmlformats.org/officeDocument/2006/relationships" xmlns:p="http://schemas.openxmlformats.org/presentationml/2006/main">
+  <p:cSld>
+    <p:spTree>
+      <p:nvGrpSpPr>
+        <p:cNvPr id="1" name=""/>
+        <p:cNvGrpSpPr/>
+        <p:nvPr/>
+      </p:nvGrpSpPr>
+      <p:grpSpPr/>
+      <p:sp>
+        <p:nvSpPr>
+          <p:cNvPr id="2" name="Title 1"/>
+          <p:cNvSpPr>
+            <a:spLocks noGrp="1"/>
+          </p:cNvSpPr>
+          <p:nvPr>
+            <p:ph type="title"/>
+          </p:nvPr>
+        </p:nvSpPr>
+        <p:spPr>
+          <a:xfrm>
+            <a:off x="838200" y="3577590"/>
+            <a:ext cx="10515600" cy="1325563"/>
+          </a:xfrm>
+        </p:spPr>
+        <p:txBody>
+          <a:bodyPr>
+            <a:normAutofit/>
+          </a:bodyPr>
+          <a:p>
+            <a:pPr algn="ctr"/>
+            <a:r>
+              <a:rPr lang="en-US" b="1"/>
+              <a:t>Technologies</a:t>
+            </a:r>
+            <a:endParaRPr lang="en-US" b="1"/>
+          </a:p>
+        </p:txBody>
+      </p:sp>
+      <p:pic>
+        <p:nvPicPr>
+          <p:cNvPr id="5" name="Content Placeholder 4"/>
+          <p:cNvPicPr>
+            <a:picLocks noChangeAspect="1"/>
+          </p:cNvPicPr>
+          <p:nvPr>
+            <p:ph sz="half" idx="2"/>
+          </p:nvPr>
+        </p:nvPicPr>
+        <p:blipFill>
+          <a:blip r:embed="rId1"/>
+          <a:stretch>
+            <a:fillRect/>
+          </a:stretch>
+        </p:blipFill>
+        <p:spPr>
+          <a:xfrm>
+            <a:off x="6904355" y="5140960"/>
+            <a:ext cx="5181600" cy="1438910"/>
+          </a:xfrm>
+          <a:prstGeom prst="rect">
+            <a:avLst/>
+          </a:prstGeom>
+        </p:spPr>
+      </p:pic>
+      <p:pic>
+        <p:nvPicPr>
+          <p:cNvPr id="6" name="Picture 5"/>
+          <p:cNvPicPr>
+            <a:picLocks noChangeAspect="1"/>
+          </p:cNvPicPr>
+          <p:nvPr/>
+        </p:nvPicPr>
+        <p:blipFill>
+          <a:blip r:embed="rId2"/>
+          <a:stretch>
+            <a:fillRect/>
+          </a:stretch>
+        </p:blipFill>
+        <p:spPr>
+          <a:xfrm>
+            <a:off x="838200" y="5264785"/>
+            <a:ext cx="5714365" cy="1190625"/>
+          </a:xfrm>
+          <a:prstGeom prst="rect">
+            <a:avLst/>
+          </a:prstGeom>
+        </p:spPr>
+      </p:pic>
+      <p:sp>
+        <p:nvSpPr>
+          <p:cNvPr id="8" name="Title 1"/>
+          <p:cNvSpPr>
+            <a:spLocks noGrp="1"/>
+          </p:cNvSpPr>
+          <p:nvPr/>
+        </p:nvSpPr>
+        <p:spPr>
+          <a:xfrm>
+            <a:off x="838200" y="128905"/>
+            <a:ext cx="10515600" cy="1325563"/>
+          </a:xfrm>
+          <a:prstGeom prst="rect">
+            <a:avLst/>
+          </a:prstGeom>
+        </p:spPr>
+        <p:txBody>
+          <a:bodyPr vert="horz" lIns="91440" tIns="45720" rIns="91440" bIns="45720" rtlCol="0" anchor="ctr">
+            <a:normAutofit/>
+          </a:bodyPr>
+          <a:lstStyle>
+            <a:lvl1pPr algn="l" defTabSz="914400" rtl="0" eaLnBrk="1" latinLnBrk="0" hangingPunct="1">
+              <a:lnSpc>
+                <a:spcPct val="90000"/>
+              </a:lnSpc>
+              <a:spcBef>
+                <a:spcPct val="0"/>
+              </a:spcBef>
+              <a:buNone/>
+              <a:defRPr sz="4400" kern="1200">
+                <a:solidFill>
+                  <a:schemeClr val="tx1"/>
+                </a:solidFill>
+                <a:latin typeface="+mj-lt"/>
+                <a:ea typeface="+mj-ea"/>
+                <a:cs typeface="+mj-cs"/>
+              </a:defRPr>
+            </a:lvl1pPr>
+          </a:lstStyle>
+          <a:p>
+            <a:pPr algn="ctr"/>
+            <a:r>
+              <a:rPr lang="en-US" b="1"/>
+              <a:t>Idea</a:t>
+            </a:r>
+            <a:endParaRPr lang="en-US" b="1"/>
+          </a:p>
+        </p:txBody>
+      </p:sp>
+      <p:sp>
+        <p:nvSpPr>
+          <p:cNvPr id="9" name="Content Placeholder 8"/>
+          <p:cNvSpPr>
+            <a:spLocks noGrp="1"/>
+          </p:cNvSpPr>
+          <p:nvPr>
+            <p:ph sz="half" idx="1"/>
+          </p:nvPr>
+        </p:nvSpPr>
+        <p:spPr>
+          <a:xfrm>
+            <a:off x="838200" y="1971675"/>
+            <a:ext cx="10514330" cy="1089660"/>
+          </a:xfrm>
+        </p:spPr>
+        <p:txBody>
+          <a:bodyPr>
+            <a:noAutofit/>
+          </a:bodyPr>
+          <a:p>
+            <a:pPr marL="0" indent="0" algn="ctr">
+              <a:buNone/>
+            </a:pPr>
+            <a:r>
+              <a:rPr lang="en-US" altLang="en-US" sz="3600"/>
+              <a:t>To predict level change using previous data stored in Data Base</a:t>
+            </a:r>
+            <a:endParaRPr lang="en-US" altLang="en-US" sz="3600"/>
+          </a:p>
+        </p:txBody>
+      </p:sp>
+    </p:spTree>
+  </p:cSld>
+  <p:clrMapOvr>
+    <a:masterClrMapping/>
+  </p:clrMapOvr>
+</p:sld>
+</file>
+
+<file path=ppt/slides/slide12.xml><?xml version="1.0" encoding="utf-8"?>
+<p:sld xmlns:a="http://schemas.openxmlformats.org/drawingml/2006/main" xmlns:r="http://schemas.openxmlformats.org/officeDocument/2006/relationships" xmlns:p="http://schemas.openxmlformats.org/presentationml/2006/main">
+  <p:cSld>
+    <p:spTree>
+      <p:nvGrpSpPr>
+        <p:cNvPr id="1" name=""/>
+        <p:cNvGrpSpPr/>
+        <p:nvPr/>
+      </p:nvGrpSpPr>
+      <p:grpSpPr/>
+      <p:sp>
+        <p:nvSpPr>
+          <p:cNvPr id="2" name="Title 1"/>
+          <p:cNvSpPr>
+            <a:spLocks noGrp="1"/>
+          </p:cNvSpPr>
+          <p:nvPr>
+            <p:ph type="title"/>
+          </p:nvPr>
+        </p:nvSpPr>
+        <p:spPr/>
+        <p:txBody>
+          <a:bodyPr/>
+          <a:p>
+            <a:pPr algn="ctr"/>
+            <a:r>
+              <a:rPr lang="en-US" altLang="en-US" b="1"/>
+              <a:t>Realisation</a:t>
+            </a:r>
+            <a:endParaRPr lang="en-US" altLang="en-US" b="1"/>
+          </a:p>
+        </p:txBody>
+      </p:sp>
+      <p:graphicFrame>
+        <p:nvGraphicFramePr>
+          <p:cNvPr id="6" name="Content Placeholder 5"/>
+          <p:cNvGraphicFramePr>
+            <a:graphicFrameLocks noChangeAspect="1"/>
+          </p:cNvGraphicFramePr>
+          <p:nvPr>
+            <p:ph idx="1"/>
+          </p:nvPr>
+        </p:nvGraphicFramePr>
+        <p:xfrm>
+          <a:off x="838200" y="1841500"/>
+          <a:ext cx="10515600" cy="3759200"/>
+        </p:xfrm>
+        <a:graphic>
+          <a:graphicData uri="http://schemas.openxmlformats.org/presentationml/2006/ole">
+            <mc:AlternateContent xmlns:mc="http://schemas.openxmlformats.org/markup-compatibility/2006">
+              <mc:Choice xmlns:v="urn:schemas-microsoft-com:vml" Requires="v">
+                <p:oleObj spid="_x0000_s7" name="" r:id="rId1" imgW="10896600" imgH="3895725" progId="Paint.Picture">
+                  <p:embed/>
+                </p:oleObj>
+              </mc:Choice>
+              <mc:Fallback>
+                <p:oleObj name="" r:id="rId1" imgW="10896600" imgH="3895725" progId="Paint.Picture">
+                  <p:embed/>
+                  <p:pic>
+                    <p:nvPicPr>
+                      <p:cNvPr id="0" name="Picture 6"/>
+                      <p:cNvPicPr/>
+                      <p:nvPr/>
+                    </p:nvPicPr>
+                    <p:blipFill>
+                      <a:blip r:embed="rId2"/>
+                      <a:stretch>
+                        <a:fillRect/>
+                      </a:stretch>
+                    </p:blipFill>
+                    <p:spPr>
+                      <a:xfrm>
+                        <a:off x="838200" y="1841500"/>
+                        <a:ext cx="10515600" cy="3759200"/>
+                      </a:xfrm>
+                      <a:prstGeom prst="rect">
+                        <a:avLst/>
+                      </a:prstGeom>
+                    </p:spPr>
+                  </p:pic>
+                </p:oleObj>
+              </mc:Fallback>
+            </mc:AlternateContent>
+          </a:graphicData>
+        </a:graphic>
+      </p:graphicFrame>
+    </p:spTree>
+  </p:cSld>
+  <p:clrMapOvr>
+    <a:masterClrMapping/>
+  </p:clrMapOvr>
+</p:sld>
+</file>
+
+<file path=ppt/slides/slide13.xml><?xml version="1.0" encoding="utf-8"?>
+<p:sld xmlns:a="http://schemas.openxmlformats.org/drawingml/2006/main" xmlns:r="http://schemas.openxmlformats.org/officeDocument/2006/relationships" xmlns:p="http://schemas.openxmlformats.org/presentationml/2006/main">
+  <p:cSld>
+    <p:spTree>
+      <p:nvGrpSpPr>
+        <p:cNvPr id="1" name=""/>
+        <p:cNvGrpSpPr/>
+        <p:nvPr/>
+      </p:nvGrpSpPr>
+      <p:grpSpPr>
+        <a:xfrm>
+          <a:off x="0" y="0"/>
+          <a:ext cx="0" cy="0"/>
+          <a:chOff x="0" y="0"/>
+          <a:chExt cx="0" cy="0"/>
+        </a:xfrm>
+      </p:grpSpPr>
+      <p:sp>
+        <p:nvSpPr>
+          <p:cNvPr id="2" name="Title 1"/>
+          <p:cNvSpPr>
+            <a:spLocks noGrp="1"/>
+          </p:cNvSpPr>
+          <p:nvPr>
+            <p:ph type="ctrTitle"/>
+          </p:nvPr>
+        </p:nvSpPr>
+        <p:spPr/>
+        <p:txBody>
+          <a:bodyPr/>
+          <a:lstStyle/>
+          <a:p>
+            <a:r>
+              <a:rPr lang="en-US" altLang="uk-UA" b="1" dirty="0" smtClean="0"/>
+              <a:t>QR-Code </a:t>
+            </a:r>
+            <a:r>
+              <a:rPr lang="en-US" altLang="uk-UA" b="1" dirty="0"/>
+              <a:t>Feature</a:t>
+            </a:r>
+            <a:endParaRPr lang="en-US" altLang="uk-UA" b="1" dirty="0"/>
+          </a:p>
+        </p:txBody>
+      </p:sp>
+      <p:sp>
+        <p:nvSpPr>
+          <p:cNvPr id="3" name="Subtitle 2"/>
+          <p:cNvSpPr>
+            <a:spLocks noGrp="1"/>
+          </p:cNvSpPr>
+          <p:nvPr>
+            <p:ph type="subTitle" idx="1"/>
+          </p:nvPr>
+        </p:nvSpPr>
+        <p:spPr/>
+        <p:txBody>
+          <a:bodyPr/>
+          <a:lstStyle/>
+          <a:p>
+            <a:endParaRPr lang="en-US" altLang="uk-UA" sz="3600" dirty="0"/>
+          </a:p>
+        </p:txBody>
+      </p:sp>
+    </p:spTree>
+  </p:cSld>
+  <p:clrMapOvr>
+    <a:masterClrMapping/>
+  </p:clrMapOvr>
+</p:sld>
+</file>
+
+<file path=ppt/slides/slide14.xml><?xml version="1.0" encoding="utf-8"?>
+<p:sld xmlns:a="http://schemas.openxmlformats.org/drawingml/2006/main" xmlns:r="http://schemas.openxmlformats.org/officeDocument/2006/relationships" xmlns:p="http://schemas.openxmlformats.org/presentationml/2006/main">
+  <p:cSld>
+    <p:spTree>
+      <p:nvGrpSpPr>
+        <p:cNvPr id="1" name=""/>
+        <p:cNvGrpSpPr/>
+        <p:nvPr/>
+      </p:nvGrpSpPr>
+      <p:grpSpPr>
+        <a:xfrm>
+          <a:off x="0" y="0"/>
+          <a:ext cx="0" cy="0"/>
+          <a:chOff x="0" y="0"/>
+          <a:chExt cx="0" cy="0"/>
+        </a:xfrm>
+      </p:grpSpPr>
+      <p:sp>
+        <p:nvSpPr>
+          <p:cNvPr id="2" name="Title 1"/>
+          <p:cNvSpPr>
+            <a:spLocks noGrp="1"/>
+          </p:cNvSpPr>
+          <p:nvPr>
+            <p:ph type="title"/>
+          </p:nvPr>
+        </p:nvSpPr>
+        <p:spPr>
+          <a:xfrm>
+            <a:off x="838200" y="2914808"/>
+            <a:ext cx="10515600" cy="1325563"/>
+          </a:xfrm>
+        </p:spPr>
+        <p:txBody>
+          <a:bodyPr>
+            <a:normAutofit/>
+          </a:bodyPr>
+          <a:lstStyle/>
+          <a:p>
+            <a:pPr algn="ctr"/>
+            <a:r>
+              <a:rPr lang="en-US" b="1" dirty="0"/>
+              <a:t>Technologies</a:t>
+            </a:r>
+            <a:endParaRPr lang="en-US" b="1" dirty="0"/>
+          </a:p>
+        </p:txBody>
+      </p:sp>
+      <p:sp>
+        <p:nvSpPr>
+          <p:cNvPr id="8" name="Title 1"/>
+          <p:cNvSpPr>
+            <a:spLocks noGrp="1"/>
+          </p:cNvSpPr>
+          <p:nvPr/>
+        </p:nvSpPr>
+        <p:spPr>
+          <a:xfrm>
+            <a:off x="838200" y="128905"/>
+            <a:ext cx="10515600" cy="1325563"/>
+          </a:xfrm>
+          <a:prstGeom prst="rect">
+            <a:avLst/>
+          </a:prstGeom>
+        </p:spPr>
+        <p:txBody>
+          <a:bodyPr vert="horz" lIns="91440" tIns="45720" rIns="91440" bIns="45720" rtlCol="0" anchor="ctr">
+            <a:normAutofit/>
+          </a:bodyPr>
+          <a:lstStyle>
+            <a:lvl1pPr algn="l" defTabSz="914400" rtl="0" eaLnBrk="1" latinLnBrk="0" hangingPunct="1">
+              <a:lnSpc>
+                <a:spcPct val="90000"/>
+              </a:lnSpc>
+              <a:spcBef>
+                <a:spcPct val="0"/>
+              </a:spcBef>
+              <a:buNone/>
+              <a:defRPr sz="4400" kern="1200">
+                <a:solidFill>
+                  <a:schemeClr val="tx1"/>
+                </a:solidFill>
+                <a:latin typeface="+mj-lt"/>
+                <a:ea typeface="+mj-ea"/>
+                <a:cs typeface="+mj-cs"/>
+              </a:defRPr>
+            </a:lvl1pPr>
+          </a:lstStyle>
+          <a:p>
+            <a:pPr algn="ctr"/>
+            <a:r>
+              <a:rPr lang="en-US" b="1"/>
+              <a:t>Idea</a:t>
+            </a:r>
+            <a:endParaRPr lang="en-US" b="1"/>
+          </a:p>
+        </p:txBody>
+      </p:sp>
+      <p:sp>
+        <p:nvSpPr>
+          <p:cNvPr id="9" name="Content Placeholder 8"/>
+          <p:cNvSpPr>
+            <a:spLocks noGrp="1"/>
+          </p:cNvSpPr>
+          <p:nvPr>
+            <p:ph sz="half" idx="1"/>
+          </p:nvPr>
+        </p:nvSpPr>
+        <p:spPr>
+          <a:xfrm>
+            <a:off x="838200" y="1971675"/>
+            <a:ext cx="10514330" cy="1089660"/>
+          </a:xfrm>
+        </p:spPr>
+        <p:txBody>
+          <a:bodyPr>
+            <a:noAutofit/>
+          </a:bodyPr>
+          <a:lstStyle/>
+          <a:p>
+            <a:pPr marL="0" indent="0" algn="ctr">
+              <a:buNone/>
+            </a:pPr>
+            <a:r>
+              <a:rPr lang="en-US" altLang="en-US" sz="3600" dirty="0"/>
+              <a:t>user and bottle id binding via QR code feature</a:t>
+            </a:r>
+            <a:endParaRPr lang="en-US" altLang="en-US" sz="3600" dirty="0"/>
+          </a:p>
+        </p:txBody>
+      </p:sp>
+      <p:pic>
+        <p:nvPicPr>
+          <p:cNvPr id="3" name="Изображение 2"/>
+          <p:cNvPicPr>
+            <a:picLocks noChangeAspect="1"/>
+          </p:cNvPicPr>
+          <p:nvPr/>
+        </p:nvPicPr>
+        <p:blipFill>
+          <a:blip r:embed="rId1" cstate="print">
+            <a:extLst>
+              <a:ext uri="{28A0092B-C50C-407E-A947-70E740481C1C}">
+                <a14:useLocalDpi xmlns:a14="http://schemas.microsoft.com/office/drawing/2010/main" val="0"/>
+              </a:ext>
+            </a:extLst>
+          </a:blip>
+          <a:stretch>
+            <a:fillRect/>
+          </a:stretch>
+        </p:blipFill>
+        <p:spPr>
+          <a:xfrm>
+            <a:off x="1884680" y="4352766"/>
+            <a:ext cx="2194560" cy="2194560"/>
+          </a:xfrm>
+          <a:prstGeom prst="rect">
+            <a:avLst/>
+          </a:prstGeom>
+        </p:spPr>
+      </p:pic>
+      <p:pic>
+        <p:nvPicPr>
+          <p:cNvPr id="7" name="Объект 6"/>
+          <p:cNvPicPr>
+            <a:picLocks noGrp="1" noChangeAspect="1"/>
+          </p:cNvPicPr>
+          <p:nvPr>
+            <p:ph sz="half" idx="2"/>
+          </p:nvPr>
+        </p:nvPicPr>
+        <p:blipFill>
+          <a:blip r:embed="rId2">
+            <a:extLst>
+              <a:ext uri="{28A0092B-C50C-407E-A947-70E740481C1C}">
+                <a14:useLocalDpi xmlns:a14="http://schemas.microsoft.com/office/drawing/2010/main" val="0"/>
+              </a:ext>
+            </a:extLst>
+          </a:blip>
+          <a:stretch>
+            <a:fillRect/>
+          </a:stretch>
+        </p:blipFill>
+        <p:spPr>
+          <a:xfrm>
+            <a:off x="7003415" y="4327431"/>
+            <a:ext cx="4247515" cy="2219895"/>
+          </a:xfrm>
+        </p:spPr>
+      </p:pic>
+    </p:spTree>
+  </p:cSld>
+  <p:clrMapOvr>
+    <a:masterClrMapping/>
+  </p:clrMapOvr>
+</p:sld>
+</file>
+
+<file path=ppt/slides/slide15.xml><?xml version="1.0" encoding="utf-8"?>
+<p:sld xmlns:a="http://schemas.openxmlformats.org/drawingml/2006/main" xmlns:r="http://schemas.openxmlformats.org/officeDocument/2006/relationships" xmlns:p="http://schemas.openxmlformats.org/presentationml/2006/main">
+  <p:cSld>
+    <p:spTree>
+      <p:nvGrpSpPr>
+        <p:cNvPr id="1" name=""/>
+        <p:cNvGrpSpPr/>
+        <p:nvPr/>
+      </p:nvGrpSpPr>
+      <p:grpSpPr>
+        <a:xfrm>
+          <a:off x="0" y="0"/>
+          <a:ext cx="0" cy="0"/>
+          <a:chOff x="0" y="0"/>
+          <a:chExt cx="0" cy="0"/>
+        </a:xfrm>
+      </p:grpSpPr>
+      <p:sp>
+        <p:nvSpPr>
+          <p:cNvPr id="2" name="Title 1"/>
+          <p:cNvSpPr>
+            <a:spLocks noGrp="1"/>
+          </p:cNvSpPr>
+          <p:nvPr>
+            <p:ph type="title"/>
+          </p:nvPr>
+        </p:nvSpPr>
+        <p:spPr/>
+        <p:txBody>
+          <a:bodyPr/>
+          <a:lstStyle/>
+          <a:p>
+            <a:pPr algn="ctr"/>
+            <a:r>
+              <a:rPr lang="en-US" altLang="en-US" b="1"/>
+              <a:t>Realisation</a:t>
+            </a:r>
+            <a:endParaRPr lang="en-US" altLang="en-US" b="1"/>
+          </a:p>
+        </p:txBody>
+      </p:sp>
+      <p:pic>
+        <p:nvPicPr>
+          <p:cNvPr id="4" name="Объект 3"/>
+          <p:cNvPicPr>
+            <a:picLocks noGrp="1" noChangeAspect="1"/>
+          </p:cNvPicPr>
+          <p:nvPr>
+            <p:ph idx="1"/>
+          </p:nvPr>
+        </p:nvPicPr>
+        <p:blipFill>
+          <a:blip r:embed="rId1" cstate="print">
+            <a:extLst>
+              <a:ext uri="{28A0092B-C50C-407E-A947-70E740481C1C}">
+                <a14:useLocalDpi xmlns:a14="http://schemas.microsoft.com/office/drawing/2010/main" val="0"/>
+              </a:ext>
+            </a:extLst>
+          </a:blip>
+          <a:stretch>
+            <a:fillRect/>
+          </a:stretch>
+        </p:blipFill>
+        <p:spPr>
+          <a:xfrm>
+            <a:off x="241135" y="2804160"/>
+            <a:ext cx="3459217" cy="3055460"/>
+          </a:xfrm>
+        </p:spPr>
+      </p:pic>
+      <p:sp>
+        <p:nvSpPr>
+          <p:cNvPr id="5" name="Стрелка вправо с вырезом 4"/>
+          <p:cNvSpPr/>
+          <p:nvPr/>
+        </p:nvSpPr>
+        <p:spPr>
+          <a:xfrm>
+            <a:off x="3781042" y="3990260"/>
+            <a:ext cx="741090" cy="683259"/>
+          </a:xfrm>
+          <a:prstGeom prst="notchedRightArrow">
+            <a:avLst/>
+          </a:prstGeom>
+        </p:spPr>
+        <p:style>
+          <a:lnRef idx="2">
+            <a:schemeClr val="accent1">
+              <a:shade val="50000"/>
+            </a:schemeClr>
+          </a:lnRef>
+          <a:fillRef idx="1">
+            <a:schemeClr val="accent1"/>
+          </a:fillRef>
+          <a:effectRef idx="0">
+            <a:schemeClr val="accent1"/>
+          </a:effectRef>
+          <a:fontRef idx="minor">
+            <a:schemeClr val="lt1"/>
+          </a:fontRef>
+        </p:style>
+        <p:txBody>
+          <a:bodyPr rtlCol="0" anchor="ctr"/>
+          <a:lstStyle/>
+          <a:p>
+            <a:pPr algn="ctr"/>
+            <a:endParaRPr lang="ru-RU"/>
+          </a:p>
+        </p:txBody>
+      </p:sp>
+      <p:pic>
+        <p:nvPicPr>
+          <p:cNvPr id="6" name="Изображение 5"/>
+          <p:cNvPicPr>
+            <a:picLocks noChangeAspect="1"/>
+          </p:cNvPicPr>
+          <p:nvPr/>
+        </p:nvPicPr>
+        <p:blipFill>
+          <a:blip r:embed="rId2">
+            <a:extLst>
+              <a:ext uri="{28A0092B-C50C-407E-A947-70E740481C1C}">
+                <a14:useLocalDpi xmlns:a14="http://schemas.microsoft.com/office/drawing/2010/main" val="0"/>
+              </a:ext>
+            </a:extLst>
+          </a:blip>
+          <a:stretch>
+            <a:fillRect/>
+          </a:stretch>
+        </p:blipFill>
+        <p:spPr>
+          <a:xfrm>
+            <a:off x="4522132" y="2661919"/>
+            <a:ext cx="3365999" cy="3197699"/>
+          </a:xfrm>
+          <a:prstGeom prst="rect">
+            <a:avLst/>
+          </a:prstGeom>
+        </p:spPr>
+      </p:pic>
+      <p:sp>
+        <p:nvSpPr>
+          <p:cNvPr id="8" name="Стрелка вправо с вырезом 7"/>
+          <p:cNvSpPr/>
+          <p:nvPr/>
+        </p:nvSpPr>
+        <p:spPr>
+          <a:xfrm>
+            <a:off x="7968821" y="3887469"/>
+            <a:ext cx="741090" cy="683259"/>
+          </a:xfrm>
+          <a:prstGeom prst="notchedRightArrow">
+            <a:avLst/>
+          </a:prstGeom>
+        </p:spPr>
+        <p:style>
+          <a:lnRef idx="2">
+            <a:schemeClr val="accent1">
+              <a:shade val="50000"/>
+            </a:schemeClr>
+          </a:lnRef>
+          <a:fillRef idx="1">
+            <a:schemeClr val="accent1"/>
+          </a:fillRef>
+          <a:effectRef idx="0">
+            <a:schemeClr val="accent1"/>
+          </a:effectRef>
+          <a:fontRef idx="minor">
+            <a:schemeClr val="lt1"/>
+          </a:fontRef>
+        </p:style>
+        <p:txBody>
+          <a:bodyPr rtlCol="0" anchor="ctr"/>
+          <a:lstStyle/>
+          <a:p>
+            <a:pPr algn="ctr"/>
+            <a:endParaRPr lang="ru-RU"/>
+          </a:p>
+        </p:txBody>
+      </p:sp>
+      <p:pic>
+        <p:nvPicPr>
+          <p:cNvPr id="7" name="Изображение 6"/>
+          <p:cNvPicPr>
+            <a:picLocks noChangeAspect="1"/>
+          </p:cNvPicPr>
+          <p:nvPr/>
+        </p:nvPicPr>
+        <p:blipFill>
+          <a:blip r:embed="rId3">
+            <a:extLst>
+              <a:ext uri="{28A0092B-C50C-407E-A947-70E740481C1C}">
+                <a14:useLocalDpi xmlns:a14="http://schemas.microsoft.com/office/drawing/2010/main" val="0"/>
+              </a:ext>
+            </a:extLst>
+          </a:blip>
+          <a:stretch>
+            <a:fillRect/>
+          </a:stretch>
+        </p:blipFill>
+        <p:spPr>
+          <a:xfrm>
+            <a:off x="8790601" y="2164080"/>
+            <a:ext cx="3129608" cy="3989148"/>
+          </a:xfrm>
+          <a:prstGeom prst="rect">
+            <a:avLst/>
+          </a:prstGeom>
+        </p:spPr>
+      </p:pic>
+    </p:spTree>
+  </p:cSld>
+  <p:clrMapOvr>
+    <a:masterClrMapping/>
+  </p:clrMapOvr>
+</p:sld>
+</file>
+
+<file path=ppt/slides/slide16.xml><?xml version="1.0" encoding="utf-8"?>
+<p:sld xmlns:a="http://schemas.openxmlformats.org/drawingml/2006/main" xmlns:r="http://schemas.openxmlformats.org/officeDocument/2006/relationships" xmlns:p="http://schemas.openxmlformats.org/presentationml/2006/main">
+  <p:cSld>
+    <p:spTree>
+      <p:nvGrpSpPr>
+        <p:cNvPr id="1" name=""/>
+        <p:cNvGrpSpPr/>
+        <p:nvPr/>
+      </p:nvGrpSpPr>
+      <p:grpSpPr/>
+      <p:sp>
+        <p:nvSpPr>
+          <p:cNvPr id="2" name="Title 1"/>
+          <p:cNvSpPr>
+            <a:spLocks noGrp="1"/>
+          </p:cNvSpPr>
+          <p:nvPr>
+            <p:ph type="title"/>
+          </p:nvPr>
+        </p:nvSpPr>
+        <p:spPr/>
+        <p:txBody>
+          <a:bodyPr/>
+          <a:p>
+            <a:pPr algn="ctr"/>
+            <a:r>
+              <a:rPr lang="en-US" b="1"/>
+              <a:t>DataFlow</a:t>
+            </a:r>
+            <a:endParaRPr lang="en-US" b="1"/>
+          </a:p>
+        </p:txBody>
+      </p:sp>
+    </p:spTree>
+  </p:cSld>
+  <p:clrMapOvr>
+    <a:masterClrMapping/>
+  </p:clrMapOvr>
+</p:sld>
+</file>
+
+<file path=ppt/slides/slide17.xml><?xml version="1.0" encoding="utf-8"?>
+<p:sld xmlns:a="http://schemas.openxmlformats.org/drawingml/2006/main" xmlns:r="http://schemas.openxmlformats.org/officeDocument/2006/relationships" xmlns:p="http://schemas.openxmlformats.org/presentationml/2006/main">
+  <p:cSld>
+    <p:spTree>
+      <p:nvGrpSpPr>
+        <p:cNvPr id="1" name=""/>
+        <p:cNvGrpSpPr/>
+        <p:nvPr/>
+      </p:nvGrpSpPr>
+      <p:grpSpPr/>
+      <p:sp>
+        <p:nvSpPr>
+          <p:cNvPr id="2" name="Title 1"/>
+          <p:cNvSpPr>
+            <a:spLocks noGrp="1"/>
+          </p:cNvSpPr>
+          <p:nvPr>
             <p:ph type="title"/>
           </p:nvPr>
         </p:nvSpPr>
@@ -3542,13 +4417,11 @@
       </p:sp>
       <p:pic>
         <p:nvPicPr>
-          <p:cNvPr id="4" name="Content Placeholder 3"/>
+          <p:cNvPr id="3" name="Picture 2"/>
           <p:cNvPicPr>
             <a:picLocks noChangeAspect="1"/>
           </p:cNvPicPr>
-          <p:nvPr>
-            <p:ph idx="1"/>
-          </p:nvPr>
+          <p:nvPr/>
         </p:nvPicPr>
         <p:blipFill>
           <a:blip r:embed="rId1"/>
@@ -3558,8 +4431,8 @@
         </p:blipFill>
         <p:spPr>
           <a:xfrm>
-            <a:off x="2452370" y="1691005"/>
-            <a:ext cx="7286625" cy="4351655"/>
+            <a:off x="1405890" y="1691005"/>
+            <a:ext cx="9380855" cy="4152265"/>
           </a:xfrm>
           <a:prstGeom prst="rect">
             <a:avLst/>
@@ -3601,7 +4474,7 @@
             <a:pPr algn="ctr"/>
             <a:r>
               <a:rPr lang="en-US" altLang="uk-UA" b="1"/>
-              <a:t>GitHub</a:t>
+              <a:t>Team Contribution</a:t>
             </a:r>
             <a:endParaRPr lang="en-US" altLang="uk-UA" b="1"/>
           </a:p>
@@ -3784,44 +4657,37 @@
             <a:spLocks noGrp="1"/>
           </p:cNvSpPr>
           <p:nvPr>
-            <p:ph type="ctrTitle"/>
-          </p:nvPr>
-        </p:nvSpPr>
-        <p:spPr/>
-        <p:txBody>
-          <a:bodyPr/>
-          <a:p>
-            <a:r>
-              <a:rPr lang="en-US" altLang="uk-UA" b="1"/>
-              <a:t>Prediction Feature</a:t>
-            </a:r>
-            <a:endParaRPr lang="en-US" altLang="uk-UA" b="1"/>
-          </a:p>
-        </p:txBody>
-      </p:sp>
-      <p:sp>
-        <p:nvSpPr>
-          <p:cNvPr id="3" name="Subtitle 2"/>
-          <p:cNvSpPr>
-            <a:spLocks noGrp="1"/>
-          </p:cNvSpPr>
-          <p:nvPr>
-            <p:ph type="subTitle" idx="1"/>
-          </p:nvPr>
-        </p:nvSpPr>
-        <p:spPr/>
-        <p:txBody>
-          <a:bodyPr/>
-          <a:p>
-            <a:r>
-              <a:rPr lang="en-US" sz="3600"/>
-              <a:t>With </a:t>
-            </a:r>
-            <a:r>
-              <a:rPr lang="en-US" altLang="uk-UA" sz="3600"/>
-              <a:t>Python3.6</a:t>
-            </a:r>
-            <a:endParaRPr lang="en-US" altLang="uk-UA" sz="3600"/>
+            <p:ph type="title"/>
+          </p:nvPr>
+        </p:nvSpPr>
+        <p:spPr/>
+        <p:txBody>
+          <a:bodyPr/>
+          <a:p>
+            <a:pPr algn="ctr"/>
+            <a:r>
+              <a:rPr lang="en-US" b="1"/>
+              <a:t>Technologies</a:t>
+            </a:r>
+            <a:endParaRPr lang="en-US" b="1"/>
+          </a:p>
+        </p:txBody>
+      </p:sp>
+      <p:sp>
+        <p:nvSpPr>
+          <p:cNvPr id="3" name="Content Placeholder 2"/>
+          <p:cNvSpPr>
+            <a:spLocks noGrp="1"/>
+          </p:cNvSpPr>
+          <p:nvPr>
+            <p:ph idx="1"/>
+          </p:nvPr>
+        </p:nvSpPr>
+        <p:spPr/>
+        <p:txBody>
+          <a:bodyPr/>
+          <a:p>
+            <a:endParaRPr lang="en-US"/>
           </a:p>
         </p:txBody>
       </p:sp>
@@ -3853,155 +4719,34 @@
             <p:ph type="title"/>
           </p:nvPr>
         </p:nvSpPr>
-        <p:spPr>
-          <a:xfrm>
-            <a:off x="838200" y="3577590"/>
-            <a:ext cx="10515600" cy="1325563"/>
-          </a:xfrm>
-        </p:spPr>
-        <p:txBody>
-          <a:bodyPr>
-            <a:normAutofit/>
-          </a:bodyPr>
+        <p:spPr/>
+        <p:txBody>
+          <a:bodyPr/>
           <a:p>
             <a:pPr algn="ctr"/>
             <a:r>
               <a:rPr lang="en-US" b="1"/>
-              <a:t>Technologies</a:t>
+              <a:t>How it works</a:t>
             </a:r>
             <a:endParaRPr lang="en-US" b="1"/>
           </a:p>
         </p:txBody>
       </p:sp>
-      <p:pic>
-        <p:nvPicPr>
-          <p:cNvPr id="5" name="Content Placeholder 4"/>
-          <p:cNvPicPr>
-            <a:picLocks noChangeAspect="1"/>
-          </p:cNvPicPr>
-          <p:nvPr>
-            <p:ph sz="half" idx="2"/>
-          </p:nvPr>
-        </p:nvPicPr>
-        <p:blipFill>
-          <a:blip r:embed="rId1"/>
-          <a:stretch>
-            <a:fillRect/>
-          </a:stretch>
-        </p:blipFill>
-        <p:spPr>
-          <a:xfrm>
-            <a:off x="6904355" y="5140960"/>
-            <a:ext cx="5181600" cy="1438910"/>
-          </a:xfrm>
-          <a:prstGeom prst="rect">
-            <a:avLst/>
-          </a:prstGeom>
-        </p:spPr>
-      </p:pic>
-      <p:pic>
-        <p:nvPicPr>
-          <p:cNvPr id="6" name="Picture 5"/>
-          <p:cNvPicPr>
-            <a:picLocks noChangeAspect="1"/>
-          </p:cNvPicPr>
-          <p:nvPr/>
-        </p:nvPicPr>
-        <p:blipFill>
-          <a:blip r:embed="rId2"/>
-          <a:stretch>
-            <a:fillRect/>
-          </a:stretch>
-        </p:blipFill>
-        <p:spPr>
-          <a:xfrm>
-            <a:off x="838200" y="5264785"/>
-            <a:ext cx="5714365" cy="1190625"/>
-          </a:xfrm>
-          <a:prstGeom prst="rect">
-            <a:avLst/>
-          </a:prstGeom>
-        </p:spPr>
-      </p:pic>
-      <p:sp>
-        <p:nvSpPr>
-          <p:cNvPr id="8" name="Title 1"/>
-          <p:cNvSpPr>
-            <a:spLocks noGrp="1"/>
-          </p:cNvSpPr>
-          <p:nvPr/>
-        </p:nvSpPr>
-        <p:spPr>
-          <a:xfrm>
-            <a:off x="838200" y="128905"/>
-            <a:ext cx="10515600" cy="1325563"/>
-          </a:xfrm>
-          <a:prstGeom prst="rect">
-            <a:avLst/>
-          </a:prstGeom>
-        </p:spPr>
-        <p:txBody>
-          <a:bodyPr vert="horz" lIns="91440" tIns="45720" rIns="91440" bIns="45720" rtlCol="0" anchor="ctr">
-            <a:normAutofit/>
-          </a:bodyPr>
-          <a:lstStyle>
-            <a:lvl1pPr algn="l" defTabSz="914400" rtl="0" eaLnBrk="1" latinLnBrk="0" hangingPunct="1">
-              <a:lnSpc>
-                <a:spcPct val="90000"/>
-              </a:lnSpc>
-              <a:spcBef>
-                <a:spcPct val="0"/>
-              </a:spcBef>
-              <a:buNone/>
-              <a:defRPr sz="4400" kern="1200">
-                <a:solidFill>
-                  <a:schemeClr val="tx1"/>
-                </a:solidFill>
-                <a:latin typeface="+mj-lt"/>
-                <a:ea typeface="+mj-ea"/>
-                <a:cs typeface="+mj-cs"/>
-              </a:defRPr>
-            </a:lvl1pPr>
-          </a:lstStyle>
-          <a:p>
-            <a:pPr algn="ctr"/>
-            <a:r>
-              <a:rPr lang="en-US" b="1"/>
-              <a:t>Idea</a:t>
-            </a:r>
-            <a:endParaRPr lang="en-US" b="1"/>
-          </a:p>
-        </p:txBody>
-      </p:sp>
-      <p:sp>
-        <p:nvSpPr>
-          <p:cNvPr id="9" name="Content Placeholder 8"/>
-          <p:cNvSpPr>
-            <a:spLocks noGrp="1"/>
-          </p:cNvSpPr>
-          <p:nvPr>
-            <p:ph sz="half" idx="1"/>
-          </p:nvPr>
-        </p:nvSpPr>
-        <p:spPr>
-          <a:xfrm>
-            <a:off x="838200" y="1971675"/>
-            <a:ext cx="10514330" cy="1089660"/>
-          </a:xfrm>
-        </p:spPr>
-        <p:txBody>
-          <a:bodyPr>
-            <a:noAutofit/>
-          </a:bodyPr>
-          <a:p>
-            <a:pPr marL="0" indent="0" algn="ctr">
-              <a:buNone/>
-            </a:pPr>
-            <a:r>
-              <a:rPr lang="en-US" altLang="en-US" sz="3600"/>
-              <a:t>To predict level change using previous data stored in Data Base</a:t>
-            </a:r>
-            <a:endParaRPr lang="en-US" altLang="en-US" sz="3600"/>
+      <p:sp>
+        <p:nvSpPr>
+          <p:cNvPr id="3" name="Content Placeholder 2"/>
+          <p:cNvSpPr>
+            <a:spLocks noGrp="1"/>
+          </p:cNvSpPr>
+          <p:nvPr>
+            <p:ph idx="1"/>
+          </p:nvPr>
+        </p:nvSpPr>
+        <p:spPr/>
+        <p:txBody>
+          <a:bodyPr/>
+          <a:p>
+            <a:endParaRPr lang="en-US"/>
           </a:p>
         </p:txBody>
       </p:sp>
@@ -4033,72 +4778,103 @@
             <p:ph type="title"/>
           </p:nvPr>
         </p:nvSpPr>
-        <p:spPr/>
+        <p:spPr>
+          <a:xfrm>
+            <a:off x="838200" y="205740"/>
+            <a:ext cx="10515600" cy="1325563"/>
+          </a:xfrm>
+        </p:spPr>
         <p:txBody>
           <a:bodyPr/>
           <a:p>
             <a:pPr algn="ctr"/>
             <a:r>
-              <a:rPr lang="en-US" altLang="en-US" b="1"/>
-              <a:t>Realisation</a:t>
-            </a:r>
-            <a:endParaRPr lang="en-US" altLang="en-US" b="1"/>
-          </a:p>
-        </p:txBody>
-      </p:sp>
-      <p:graphicFrame>
-        <p:nvGraphicFramePr>
-          <p:cNvPr id="6" name="Content Placeholder 5"/>
-          <p:cNvGraphicFramePr>
-            <a:graphicFrameLocks noChangeAspect="1"/>
-          </p:cNvGraphicFramePr>
+              <a:rPr lang="en-US" altLang="uk-UA" b="1"/>
+              <a:t>Features</a:t>
+            </a:r>
+            <a:endParaRPr lang="en-US" altLang="uk-UA" b="1"/>
+          </a:p>
+        </p:txBody>
+      </p:sp>
+      <p:sp>
+        <p:nvSpPr>
+          <p:cNvPr id="3" name="Content Placeholder 2"/>
+          <p:cNvSpPr>
+            <a:spLocks noGrp="1"/>
+          </p:cNvSpPr>
           <p:nvPr>
             <p:ph idx="1"/>
           </p:nvPr>
-        </p:nvGraphicFramePr>
-        <p:xfrm>
-          <a:off x="838200" y="1841500"/>
-          <a:ext cx="10515600" cy="3759200"/>
-        </p:xfrm>
-        <a:graphic>
-          <a:graphicData uri="http://schemas.openxmlformats.org/presentationml/2006/ole">
-            <mc:AlternateContent xmlns:mc="http://schemas.openxmlformats.org/markup-compatibility/2006">
-              <mc:Choice xmlns:v="urn:schemas-microsoft-com:vml" Requires="v">
-                <p:oleObj spid="_x0000_s7" name="" r:id="rId1" imgW="10896600" imgH="3895725" progId="Paint.Picture">
-                  <p:embed/>
-                </p:oleObj>
-              </mc:Choice>
-              <mc:Fallback>
-                <p:oleObj name="" r:id="rId1" imgW="10896600" imgH="3895725" progId="Paint.Picture">
-                  <p:embed/>
-                  <p:pic>
-                    <p:nvPicPr>
-                      <p:cNvPr id="0" name="Picture 6"/>
-                      <p:cNvPicPr/>
-                      <p:nvPr/>
-                    </p:nvPicPr>
-                    <p:blipFill>
-                      <a:blip r:embed="rId2"/>
-                      <a:stretch>
-                        <a:fillRect/>
-                      </a:stretch>
-                    </p:blipFill>
-                    <p:spPr>
-                      <a:xfrm>
-                        <a:off x="838200" y="1841500"/>
-                        <a:ext cx="10515600" cy="3759200"/>
-                      </a:xfrm>
-                      <a:prstGeom prst="rect">
-                        <a:avLst/>
-                      </a:prstGeom>
-                    </p:spPr>
-                  </p:pic>
-                </p:oleObj>
-              </mc:Fallback>
-            </mc:AlternateContent>
-          </a:graphicData>
-        </a:graphic>
-      </p:graphicFrame>
+        </p:nvSpPr>
+        <p:spPr>
+          <a:xfrm>
+            <a:off x="838200" y="1350645"/>
+            <a:ext cx="10515600" cy="5417820"/>
+          </a:xfrm>
+        </p:spPr>
+        <p:txBody>
+          <a:bodyPr>
+            <a:normAutofit lnSpcReduction="10000"/>
+          </a:bodyPr>
+          <a:p>
+            <a:r>
+              <a:rPr lang="en-US"/>
+              <a:t>Prediction Feature</a:t>
+            </a:r>
+            <a:endParaRPr lang="en-US"/>
+          </a:p>
+          <a:p>
+            <a:endParaRPr lang="en-US"/>
+          </a:p>
+          <a:p>
+            <a:r>
+              <a:rPr lang="en-US"/>
+              <a:t>QR-code feature</a:t>
+            </a:r>
+            <a:endParaRPr lang="en-US"/>
+          </a:p>
+          <a:p>
+            <a:endParaRPr lang="en-US"/>
+          </a:p>
+          <a:p>
+            <a:r>
+              <a:rPr lang="en-US"/>
+              <a:t> </a:t>
+            </a:r>
+            <a:endParaRPr lang="en-US"/>
+          </a:p>
+          <a:p>
+            <a:endParaRPr lang="en-US"/>
+          </a:p>
+          <a:p>
+            <a:r>
+              <a:rPr lang="en-US"/>
+              <a:t> </a:t>
+            </a:r>
+            <a:endParaRPr lang="en-US"/>
+          </a:p>
+          <a:p>
+            <a:endParaRPr lang="en-US"/>
+          </a:p>
+          <a:p>
+            <a:r>
+              <a:rPr lang="en-US"/>
+              <a:t> </a:t>
+            </a:r>
+            <a:endParaRPr lang="en-US"/>
+          </a:p>
+          <a:p>
+            <a:endParaRPr lang="en-US"/>
+          </a:p>
+          <a:p>
+            <a:r>
+              <a:rPr lang="en-US"/>
+              <a:t> </a:t>
+            </a:r>
+            <a:endParaRPr lang="en-US"/>
+          </a:p>
+        </p:txBody>
+      </p:sp>
     </p:spTree>
   </p:cSld>
   <p:clrMapOvr>
